--- a/pull-request/pull-request.pptx
+++ b/pull-request/pull-request.pptx
@@ -104,6 +104,11 @@
       </a:defRPr>
     </a:lvl9pPr>
   </p:defaultTextStyle>
+  <p:extLst>
+    <p:ext uri="{EFAFB233-063F-42B5-8137-9DF3F51BA10A}">
+      <p15:sldGuideLst xmlns:p15="http://schemas.microsoft.com/office/powerpoint/2012/main"/>
+    </p:ext>
+  </p:extLst>
 </p:presentation>
 </file>
 
@@ -301,10 +306,39 @@
               <c:idx val="1"/>
               <c:layout>
                 <c:manualLayout>
-                  <c:x val="-4.3431750264491054E-3"/>
-                  <c:y val="-0.19414840757668417"/>
+                  <c:x val="1.266906628951997E-3"/>
+                  <c:y val="-0.15199425070005471"/>
                 </c:manualLayout>
               </c:layout>
+              <c:spPr>
+                <a:noFill/>
+                <a:ln>
+                  <a:noFill/>
+                </a:ln>
+                <a:effectLst/>
+              </c:spPr>
+              <c:txPr>
+                <a:bodyPr rot="0" spcFirstLastPara="1" vertOverflow="ellipsis" vert="horz" wrap="square" lIns="38100" tIns="19050" rIns="38100" bIns="19050" anchor="ctr" anchorCtr="1">
+                  <a:noAutofit/>
+                </a:bodyPr>
+                <a:lstStyle/>
+                <a:p>
+                  <a:pPr>
+                    <a:defRPr sz="2000" b="0" i="0" u="none" strike="noStrike" kern="1200" baseline="0">
+                      <a:solidFill>
+                        <a:schemeClr val="tx1">
+                          <a:lumMod val="75000"/>
+                          <a:lumOff val="25000"/>
+                        </a:schemeClr>
+                      </a:solidFill>
+                      <a:latin typeface="+mn-lt"/>
+                      <a:ea typeface="+mn-ea"/>
+                      <a:cs typeface="+mn-cs"/>
+                    </a:defRPr>
+                  </a:pPr>
+                  <a:endParaRPr lang="nb-NO"/>
+                </a:p>
+              </c:txPr>
               <c:showLegendKey val="0"/>
               <c:showVal val="0"/>
               <c:showCatName val="1"/>
@@ -315,8 +349,8 @@
                 <c:ext xmlns:c15="http://schemas.microsoft.com/office/drawing/2012/chart" uri="{CE6537A1-D6FC-4f65-9D91-7224C49458BB}">
                   <c15:layout>
                     <c:manualLayout>
-                      <c:w val="0.29492537928790247"/>
-                      <c:h val="0.12147659242331582"/>
+                      <c:w val="0.17524363730601228"/>
+                      <c:h val="0.20578490617657469"/>
                     </c:manualLayout>
                   </c15:layout>
                 </c:ext>
@@ -356,7 +390,7 @@
                     <a:fld id="{30148D0D-E3F6-4C71-98E8-4F408457B289}" type="CATEGORYNAME">
                       <a:rPr lang="en-US" sz="2000" b="0" smtClean="0"/>
                       <a:pPr>
-                        <a:defRPr sz="2000" b="0"/>
+                        <a:defRPr sz="2000"/>
                       </a:pPr>
                       <a:t>[KATEGORINAVN]</a:t>
                     </a:fld>
@@ -466,9 +500,7 @@
               </c:spPr>
             </c:leaderLines>
             <c:extLst>
-              <c:ext xmlns:c15="http://schemas.microsoft.com/office/drawing/2012/chart" uri="{CE6537A1-D6FC-4f65-9D91-7224C49458BB}">
-                <c15:layout/>
-              </c:ext>
+              <c:ext xmlns:c15="http://schemas.microsoft.com/office/drawing/2012/chart" uri="{CE6537A1-D6FC-4f65-9D91-7224C49458BB}"/>
             </c:extLst>
           </c:dLbls>
           <c:cat>
@@ -477,7 +509,7 @@
               <c:strCache>
                 <c:ptCount val="3"/>
                 <c:pt idx="0">
-                  <c:v>Small PR</c:v>
+                  <c:v>Small changes</c:v>
                 </c:pt>
                 <c:pt idx="1">
                   <c:v>Single commit</c:v>
@@ -1248,7 +1280,7 @@
           <a:p>
             <a:fld id="{47D8B440-35B7-4DC3-AEFD-2C305FA970CA}" type="datetimeFigureOut">
               <a:rPr lang="nb-NO" smtClean="0"/>
-              <a:t>05.06.2018</a:t>
+              <a:t>07.06.2018</a:t>
             </a:fld>
             <a:endParaRPr lang="nb-NO"/>
           </a:p>
@@ -1418,7 +1450,7 @@
           <a:p>
             <a:fld id="{47D8B440-35B7-4DC3-AEFD-2C305FA970CA}" type="datetimeFigureOut">
               <a:rPr lang="nb-NO" smtClean="0"/>
-              <a:t>05.06.2018</a:t>
+              <a:t>07.06.2018</a:t>
             </a:fld>
             <a:endParaRPr lang="nb-NO"/>
           </a:p>
@@ -1598,7 +1630,7 @@
           <a:p>
             <a:fld id="{47D8B440-35B7-4DC3-AEFD-2C305FA970CA}" type="datetimeFigureOut">
               <a:rPr lang="nb-NO" smtClean="0"/>
-              <a:t>05.06.2018</a:t>
+              <a:t>07.06.2018</a:t>
             </a:fld>
             <a:endParaRPr lang="nb-NO"/>
           </a:p>
@@ -1768,7 +1800,7 @@
           <a:p>
             <a:fld id="{47D8B440-35B7-4DC3-AEFD-2C305FA970CA}" type="datetimeFigureOut">
               <a:rPr lang="nb-NO" smtClean="0"/>
-              <a:t>05.06.2018</a:t>
+              <a:t>07.06.2018</a:t>
             </a:fld>
             <a:endParaRPr lang="nb-NO"/>
           </a:p>
@@ -2014,7 +2046,7 @@
           <a:p>
             <a:fld id="{47D8B440-35B7-4DC3-AEFD-2C305FA970CA}" type="datetimeFigureOut">
               <a:rPr lang="nb-NO" smtClean="0"/>
-              <a:t>05.06.2018</a:t>
+              <a:t>07.06.2018</a:t>
             </a:fld>
             <a:endParaRPr lang="nb-NO"/>
           </a:p>
@@ -2246,7 +2278,7 @@
           <a:p>
             <a:fld id="{47D8B440-35B7-4DC3-AEFD-2C305FA970CA}" type="datetimeFigureOut">
               <a:rPr lang="nb-NO" smtClean="0"/>
-              <a:t>05.06.2018</a:t>
+              <a:t>07.06.2018</a:t>
             </a:fld>
             <a:endParaRPr lang="nb-NO"/>
           </a:p>
@@ -2613,7 +2645,7 @@
           <a:p>
             <a:fld id="{47D8B440-35B7-4DC3-AEFD-2C305FA970CA}" type="datetimeFigureOut">
               <a:rPr lang="nb-NO" smtClean="0"/>
-              <a:t>05.06.2018</a:t>
+              <a:t>07.06.2018</a:t>
             </a:fld>
             <a:endParaRPr lang="nb-NO"/>
           </a:p>
@@ -2731,7 +2763,7 @@
           <a:p>
             <a:fld id="{47D8B440-35B7-4DC3-AEFD-2C305FA970CA}" type="datetimeFigureOut">
               <a:rPr lang="nb-NO" smtClean="0"/>
-              <a:t>05.06.2018</a:t>
+              <a:t>07.06.2018</a:t>
             </a:fld>
             <a:endParaRPr lang="nb-NO"/>
           </a:p>
@@ -2826,7 +2858,7 @@
           <a:p>
             <a:fld id="{47D8B440-35B7-4DC3-AEFD-2C305FA970CA}" type="datetimeFigureOut">
               <a:rPr lang="nb-NO" smtClean="0"/>
-              <a:t>05.06.2018</a:t>
+              <a:t>07.06.2018</a:t>
             </a:fld>
             <a:endParaRPr lang="nb-NO"/>
           </a:p>
@@ -3103,7 +3135,7 @@
           <a:p>
             <a:fld id="{47D8B440-35B7-4DC3-AEFD-2C305FA970CA}" type="datetimeFigureOut">
               <a:rPr lang="nb-NO" smtClean="0"/>
-              <a:t>05.06.2018</a:t>
+              <a:t>07.06.2018</a:t>
             </a:fld>
             <a:endParaRPr lang="nb-NO"/>
           </a:p>
@@ -3356,7 +3388,7 @@
           <a:p>
             <a:fld id="{47D8B440-35B7-4DC3-AEFD-2C305FA970CA}" type="datetimeFigureOut">
               <a:rPr lang="nb-NO" smtClean="0"/>
-              <a:t>05.06.2018</a:t>
+              <a:t>07.06.2018</a:t>
             </a:fld>
             <a:endParaRPr lang="nb-NO"/>
           </a:p>
@@ -3569,7 +3601,7 @@
           <a:p>
             <a:fld id="{47D8B440-35B7-4DC3-AEFD-2C305FA970CA}" type="datetimeFigureOut">
               <a:rPr lang="nb-NO" smtClean="0"/>
-              <a:t>05.06.2018</a:t>
+              <a:t>07.06.2018</a:t>
             </a:fld>
             <a:endParaRPr lang="nb-NO"/>
           </a:p>
@@ -3981,7 +4013,7 @@
           <p:nvPr>
             <p:extLst>
               <p:ext uri="{D42A27DB-BD31-4B8C-83A1-F6EECF244321}">
-                <p14:modId xmlns:p14="http://schemas.microsoft.com/office/powerpoint/2010/main" val="1751865852"/>
+                <p14:modId xmlns:p14="http://schemas.microsoft.com/office/powerpoint/2010/main" val="2552913225"/>
               </p:ext>
             </p:extLst>
           </p:nvPr>
@@ -4005,7 +4037,7 @@
         <p:spPr>
           <a:xfrm>
             <a:off x="176466" y="1707931"/>
-            <a:ext cx="3882187" cy="3139321"/>
+            <a:ext cx="3882187" cy="3416320"/>
           </a:xfrm>
           <a:prstGeom prst="rect">
             <a:avLst/>
@@ -4044,7 +4076,11 @@
             </a:pPr>
             <a:r>
               <a:rPr lang="en-US" dirty="0" smtClean="0"/>
-              <a:t>Its type or state i.e. Improvement, Fix, WIP - Work in progress, RFC - Request for comments.</a:t>
+              <a:t>Name its </a:t>
+            </a:r>
+            <a:r>
+              <a:rPr lang="en-US" dirty="0" smtClean="0"/>
+              <a:t>type or state i.e. Improvement, Fix, WIP - Work in progress, RFC - Request for comments.</a:t>
             </a:r>
           </a:p>
           <a:p>
@@ -4193,20 +4229,24 @@
           <a:lstStyle/>
           <a:p>
             <a:r>
+              <a:rPr lang="nb-NO" dirty="0" err="1" smtClean="0"/>
+              <a:t>Comments</a:t>
+            </a:r>
+            <a:r>
               <a:rPr lang="nb-NO" dirty="0" smtClean="0"/>
-              <a:t>Properties </a:t>
+              <a:t> </a:t>
             </a:r>
             <a:r>
               <a:rPr lang="nb-NO" dirty="0" err="1" smtClean="0"/>
-              <a:t>of</a:t>
+              <a:t>on</a:t>
             </a:r>
             <a:r>
               <a:rPr lang="nb-NO" dirty="0" smtClean="0"/>
-              <a:t> a Pull </a:t>
+              <a:t> Pull </a:t>
             </a:r>
             <a:r>
               <a:rPr lang="nb-NO" dirty="0" err="1" smtClean="0"/>
-              <a:t>Request</a:t>
+              <a:t>Requests</a:t>
             </a:r>
             <a:endParaRPr lang="nb-NO" dirty="0"/>
           </a:p>

--- a/pull-request/pull-request.pptx
+++ b/pull-request/pull-request.pptx
@@ -115,7 +115,7 @@
 <file path=ppt/charts/chart1.xml><?xml version="1.0" encoding="utf-8"?>
 <c:chartSpace xmlns:c="http://schemas.openxmlformats.org/drawingml/2006/chart" xmlns:a="http://schemas.openxmlformats.org/drawingml/2006/main" xmlns:r="http://schemas.openxmlformats.org/officeDocument/2006/relationships" xmlns:c16r2="http://schemas.microsoft.com/office/drawing/2015/06/chart">
   <c:date1904 val="0"/>
-  <c:lang val="nb-NO"/>
+  <c:lang val="en-US"/>
   <c:roundedCorners val="0"/>
   <mc:AlternateContent xmlns:mc="http://schemas.openxmlformats.org/markup-compatibility/2006">
     <mc:Choice xmlns:c14="http://schemas.microsoft.com/office/drawing/2007/8/2/chart" Requires="c14">
@@ -279,7 +279,7 @@
                       <a:cs typeface="+mn-cs"/>
                     </a:defRPr>
                   </a:pPr>
-                  <a:endParaRPr lang="nb-NO"/>
+                  <a:endParaRPr lang="en-US"/>
                 </a:p>
               </c:txPr>
               <c:showLegendKey val="0"/>
@@ -336,7 +336,7 @@
                       <a:cs typeface="+mn-cs"/>
                     </a:defRPr>
                   </a:pPr>
-                  <a:endParaRPr lang="nb-NO"/>
+                  <a:endParaRPr lang="en-US"/>
                 </a:p>
               </c:txPr>
               <c:showLegendKey val="0"/>
@@ -392,9 +392,9 @@
                       <a:pPr>
                         <a:defRPr sz="2000"/>
                       </a:pPr>
-                      <a:t>[KATEGORINAVN]</a:t>
+                      <a:t>[CATEGORY NAME]</a:t>
                     </a:fld>
-                    <a:endParaRPr lang="nb-NO"/>
+                    <a:endParaRPr lang="en-US"/>
                   </a:p>
                 </c:rich>
               </c:tx>
@@ -424,7 +424,7 @@
                       <a:cs typeface="+mn-cs"/>
                     </a:defRPr>
                   </a:pPr>
-                  <a:endParaRPr lang="nb-NO"/>
+                  <a:endParaRPr lang="en-US"/>
                 </a:p>
               </c:txPr>
               <c:showLegendKey val="0"/>
@@ -475,7 +475,7 @@
                     <a:cs typeface="+mn-cs"/>
                   </a:defRPr>
                 </a:pPr>
-                <a:endParaRPr lang="nb-NO"/>
+                <a:endParaRPr lang="en-US"/>
               </a:p>
             </c:txPr>
             <c:showLegendKey val="0"/>
@@ -581,7 +581,7 @@
       <a:pPr>
         <a:defRPr/>
       </a:pPr>
-      <a:endParaRPr lang="nb-NO"/>
+      <a:endParaRPr lang="en-US"/>
     </a:p>
   </c:txPr>
   <c:externalData r:id="rId3">
@@ -4013,13 +4013,13 @@
           <p:nvPr>
             <p:extLst>
               <p:ext uri="{D42A27DB-BD31-4B8C-83A1-F6EECF244321}">
-                <p14:modId xmlns:p14="http://schemas.microsoft.com/office/powerpoint/2010/main" val="2552913225"/>
+                <p14:modId xmlns:p14="http://schemas.microsoft.com/office/powerpoint/2010/main" val="2053143028"/>
               </p:ext>
             </p:extLst>
           </p:nvPr>
         </p:nvGraphicFramePr>
         <p:xfrm>
-          <a:off x="2887914" y="1101258"/>
+          <a:off x="2938456" y="387155"/>
           <a:ext cx="6791345" cy="4971040"/>
         </p:xfrm>
         <a:graphic>
@@ -4036,7 +4036,7 @@
         </p:nvSpPr>
         <p:spPr>
           <a:xfrm>
-            <a:off x="176466" y="1707931"/>
+            <a:off x="227008" y="993828"/>
             <a:ext cx="3882187" cy="3416320"/>
           </a:xfrm>
           <a:prstGeom prst="rect">
@@ -4076,11 +4076,7 @@
             </a:pPr>
             <a:r>
               <a:rPr lang="en-US" dirty="0" smtClean="0"/>
-              <a:t>Name its </a:t>
-            </a:r>
-            <a:r>
-              <a:rPr lang="en-US" dirty="0" smtClean="0"/>
-              <a:t>type or state i.e. Improvement, Fix, WIP - Work in progress, RFC - Request for comments.</a:t>
+              <a:t>Name its type or state i.e. Improvement, Fix, WIP - Work in progress, RFC - Request for comments.</a:t>
             </a:r>
           </a:p>
           <a:p>
@@ -4116,7 +4112,7 @@
         </p:nvSpPr>
         <p:spPr>
           <a:xfrm>
-            <a:off x="4272545" y="5951190"/>
+            <a:off x="4323087" y="5237087"/>
             <a:ext cx="4957011" cy="646331"/>
           </a:xfrm>
           <a:prstGeom prst="rect">
@@ -4160,7 +4156,7 @@
         </p:nvSpPr>
         <p:spPr>
           <a:xfrm>
-            <a:off x="8229867" y="1707931"/>
+            <a:off x="8280409" y="993828"/>
             <a:ext cx="3911591" cy="923330"/>
           </a:xfrm>
           <a:prstGeom prst="rect">
@@ -4208,47 +4204,43 @@
       </p:sp>
       <p:sp>
         <p:nvSpPr>
-          <p:cNvPr id="12" name="Tittel 1"/>
-          <p:cNvSpPr>
-            <a:spLocks noGrp="1"/>
-          </p:cNvSpPr>
-          <p:nvPr>
-            <p:ph type="title"/>
-          </p:nvPr>
+          <p:cNvPr id="9" name="TextBox 8"/>
+          <p:cNvSpPr txBox="1"/>
+          <p:nvPr/>
         </p:nvSpPr>
         <p:spPr>
           <a:xfrm>
-            <a:off x="176466" y="159065"/>
-            <a:ext cx="10515600" cy="1325563"/>
+            <a:off x="10664729" y="5575641"/>
+            <a:ext cx="1168578" cy="307777"/>
           </a:xfrm>
+          <a:prstGeom prst="rect">
+            <a:avLst/>
+          </a:prstGeom>
+          <a:noFill/>
         </p:spPr>
         <p:txBody>
-          <a:bodyPr>
-            <a:normAutofit/>
+          <a:bodyPr wrap="square" rtlCol="0">
+            <a:spAutoFit/>
           </a:bodyPr>
           <a:lstStyle/>
           <a:p>
             <a:r>
-              <a:rPr lang="nb-NO" dirty="0" err="1" smtClean="0"/>
-              <a:t>Comments</a:t>
-            </a:r>
-            <a:r>
-              <a:rPr lang="nb-NO" dirty="0" smtClean="0"/>
-              <a:t> </a:t>
-            </a:r>
-            <a:r>
-              <a:rPr lang="nb-NO" dirty="0" err="1" smtClean="0"/>
-              <a:t>on</a:t>
-            </a:r>
-            <a:r>
-              <a:rPr lang="nb-NO" dirty="0" smtClean="0"/>
-              <a:t> Pull </a:t>
-            </a:r>
-            <a:r>
-              <a:rPr lang="nb-NO" dirty="0" err="1" smtClean="0"/>
-              <a:t>Requests</a:t>
-            </a:r>
-            <a:endParaRPr lang="nb-NO" dirty="0"/>
+              <a:rPr lang="nb-NO" sz="1400" dirty="0" smtClean="0">
+                <a:solidFill>
+                  <a:schemeClr val="bg2">
+                    <a:lumMod val="75000"/>
+                  </a:schemeClr>
+                </a:solidFill>
+              </a:rPr>
+              <a:t>Sven Malvik</a:t>
+            </a:r>
+            <a:endParaRPr lang="en-US" sz="1400" dirty="0">
+              <a:solidFill>
+                <a:schemeClr val="bg2">
+                  <a:lumMod val="75000"/>
+                </a:schemeClr>
+              </a:solidFill>
+            </a:endParaRPr>
           </a:p>
         </p:txBody>
       </p:sp>

--- a/pull-request/pull-request.pptx
+++ b/pull-request/pull-request.pptx
@@ -115,14 +115,14 @@
 <file path=ppt/charts/chart1.xml><?xml version="1.0" encoding="utf-8"?>
 <c:chartSpace xmlns:c="http://schemas.openxmlformats.org/drawingml/2006/chart" xmlns:a="http://schemas.openxmlformats.org/drawingml/2006/main" xmlns:r="http://schemas.openxmlformats.org/officeDocument/2006/relationships" xmlns:c16r2="http://schemas.microsoft.com/office/drawing/2015/06/chart">
   <c:date1904 val="0"/>
-  <c:lang val="en-US"/>
+  <c:lang val="nb-NO"/>
   <c:roundedCorners val="0"/>
   <mc:AlternateContent xmlns:mc="http://schemas.openxmlformats.org/markup-compatibility/2006">
     <mc:Choice xmlns:c14="http://schemas.microsoft.com/office/drawing/2007/8/2/chart" Requires="c14">
-      <c14:style val="102"/>
+      <c14:style val="103"/>
     </mc:Choice>
     <mc:Fallback>
-      <c:style val="2"/>
+      <c:style val="3"/>
     </mc:Fallback>
   </mc:AlternateContent>
   <c:chart>
@@ -146,6 +146,12 @@
             </c:strRef>
           </c:tx>
           <c:spPr>
+            <a:solidFill>
+              <a:schemeClr val="accent1">
+                <a:lumMod val="40000"/>
+                <a:lumOff val="60000"/>
+              </a:schemeClr>
+            </a:solidFill>
             <a:effectLst>
               <a:outerShdw blurRad="50800" dist="50800" dir="5400000" sx="4000" sy="4000" algn="ctr" rotWithShape="0">
                 <a:srgbClr val="000000">
@@ -161,8 +167,9 @@
             <c:bubble3D val="0"/>
             <c:spPr>
               <a:solidFill>
-                <a:schemeClr val="bg1">
-                  <a:lumMod val="85000"/>
+                <a:schemeClr val="accent1">
+                  <a:lumMod val="40000"/>
+                  <a:lumOff val="60000"/>
                 </a:schemeClr>
               </a:solidFill>
               <a:ln w="19050">
@@ -190,9 +197,9 @@
             <c:bubble3D val="0"/>
             <c:spPr>
               <a:solidFill>
-                <a:schemeClr val="tx1">
-                  <a:lumMod val="50000"/>
-                  <a:lumOff val="50000"/>
+                <a:schemeClr val="accent1">
+                  <a:lumMod val="40000"/>
+                  <a:lumOff val="60000"/>
                 </a:schemeClr>
               </a:solidFill>
               <a:ln w="19050">
@@ -220,8 +227,9 @@
             <c:bubble3D val="0"/>
             <c:spPr>
               <a:solidFill>
-                <a:schemeClr val="bg2">
-                  <a:lumMod val="75000"/>
+                <a:schemeClr val="accent1">
+                  <a:lumMod val="40000"/>
+                  <a:lumOff val="60000"/>
                 </a:schemeClr>
               </a:solidFill>
               <a:ln w="19050">
@@ -279,7 +287,7 @@
                       <a:cs typeface="+mn-cs"/>
                     </a:defRPr>
                   </a:pPr>
-                  <a:endParaRPr lang="en-US"/>
+                  <a:endParaRPr lang="nb-NO"/>
                 </a:p>
               </c:txPr>
               <c:showLegendKey val="0"/>
@@ -336,7 +344,7 @@
                       <a:cs typeface="+mn-cs"/>
                     </a:defRPr>
                   </a:pPr>
-                  <a:endParaRPr lang="en-US"/>
+                  <a:endParaRPr lang="nb-NO"/>
                 </a:p>
               </c:txPr>
               <c:showLegendKey val="0"/>
@@ -369,7 +377,7 @@
               </c:layout>
               <c:tx>
                 <c:rich>
-                  <a:bodyPr rot="0" spcFirstLastPara="1" vertOverflow="ellipsis" vert="horz" wrap="square" lIns="38100" tIns="19050" rIns="38100" bIns="19050" anchor="ctr" anchorCtr="1">
+                  <a:bodyPr rot="0" spcFirstLastPara="1" vertOverflow="ellipsis" vert="horz" wrap="square" lIns="0" tIns="19050" rIns="38100" bIns="19050" anchor="ctr" anchorCtr="1">
                     <a:noAutofit/>
                   </a:bodyPr>
                   <a:lstStyle/>
@@ -392,9 +400,9 @@
                       <a:pPr>
                         <a:defRPr sz="2000"/>
                       </a:pPr>
-                      <a:t>[CATEGORY NAME]</a:t>
+                      <a:t>[KATEGORINAVN]</a:t>
                     </a:fld>
-                    <a:endParaRPr lang="en-US"/>
+                    <a:endParaRPr lang="nb-NO"/>
                   </a:p>
                 </c:rich>
               </c:tx>
@@ -406,7 +414,7 @@
                 <a:effectLst/>
               </c:spPr>
               <c:txPr>
-                <a:bodyPr rot="0" spcFirstLastPara="1" vertOverflow="ellipsis" vert="horz" wrap="square" lIns="38100" tIns="19050" rIns="38100" bIns="19050" anchor="ctr" anchorCtr="1">
+                <a:bodyPr rot="0" spcFirstLastPara="1" vertOverflow="ellipsis" vert="horz" wrap="square" lIns="0" tIns="19050" rIns="38100" bIns="19050" anchor="ctr" anchorCtr="1">
                   <a:noAutofit/>
                 </a:bodyPr>
                 <a:lstStyle/>
@@ -424,7 +432,7 @@
                       <a:cs typeface="+mn-cs"/>
                     </a:defRPr>
                   </a:pPr>
-                  <a:endParaRPr lang="en-US"/>
+                  <a:endParaRPr lang="nb-NO"/>
                 </a:p>
               </c:txPr>
               <c:showLegendKey val="0"/>
@@ -475,7 +483,7 @@
                     <a:cs typeface="+mn-cs"/>
                   </a:defRPr>
                 </a:pPr>
-                <a:endParaRPr lang="en-US"/>
+                <a:endParaRPr lang="nb-NO"/>
               </a:p>
             </c:txPr>
             <c:showLegendKey val="0"/>
@@ -581,7 +589,7 @@
       <a:pPr>
         <a:defRPr/>
       </a:pPr>
-      <a:endParaRPr lang="en-US"/>
+      <a:endParaRPr lang="nb-NO"/>
     </a:p>
   </c:txPr>
   <c:externalData r:id="rId3">
@@ -591,42 +599,8 @@
 </file>
 
 <file path=ppt/charts/colors1.xml><?xml version="1.0" encoding="utf-8"?>
-<cs:colorStyle xmlns:cs="http://schemas.microsoft.com/office/drawing/2012/chartStyle" xmlns:a="http://schemas.openxmlformats.org/drawingml/2006/main" meth="cycle" id="10">
+<cs:colorStyle xmlns:cs="http://schemas.microsoft.com/office/drawing/2012/chartStyle" xmlns:a="http://schemas.openxmlformats.org/drawingml/2006/main" meth="withinLinearReversed" id="21">
   <a:schemeClr val="accent1"/>
-  <a:schemeClr val="accent2"/>
-  <a:schemeClr val="accent3"/>
-  <a:schemeClr val="accent4"/>
-  <a:schemeClr val="accent5"/>
-  <a:schemeClr val="accent6"/>
-  <cs:variation/>
-  <cs:variation>
-    <a:lumMod val="60000"/>
-  </cs:variation>
-  <cs:variation>
-    <a:lumMod val="80000"/>
-    <a:lumOff val="20000"/>
-  </cs:variation>
-  <cs:variation>
-    <a:lumMod val="80000"/>
-  </cs:variation>
-  <cs:variation>
-    <a:lumMod val="60000"/>
-    <a:lumOff val="40000"/>
-  </cs:variation>
-  <cs:variation>
-    <a:lumMod val="50000"/>
-  </cs:variation>
-  <cs:variation>
-    <a:lumMod val="70000"/>
-    <a:lumOff val="30000"/>
-  </cs:variation>
-  <cs:variation>
-    <a:lumMod val="70000"/>
-  </cs:variation>
-  <cs:variation>
-    <a:lumMod val="50000"/>
-    <a:lumOff val="50000"/>
-  </cs:variation>
 </cs:colorStyle>
 </file>
 
@@ -1280,7 +1254,7 @@
           <a:p>
             <a:fld id="{47D8B440-35B7-4DC3-AEFD-2C305FA970CA}" type="datetimeFigureOut">
               <a:rPr lang="nb-NO" smtClean="0"/>
-              <a:t>07.06.2018</a:t>
+              <a:t>08.06.2018</a:t>
             </a:fld>
             <a:endParaRPr lang="nb-NO"/>
           </a:p>
@@ -1450,7 +1424,7 @@
           <a:p>
             <a:fld id="{47D8B440-35B7-4DC3-AEFD-2C305FA970CA}" type="datetimeFigureOut">
               <a:rPr lang="nb-NO" smtClean="0"/>
-              <a:t>07.06.2018</a:t>
+              <a:t>08.06.2018</a:t>
             </a:fld>
             <a:endParaRPr lang="nb-NO"/>
           </a:p>
@@ -1630,7 +1604,7 @@
           <a:p>
             <a:fld id="{47D8B440-35B7-4DC3-AEFD-2C305FA970CA}" type="datetimeFigureOut">
               <a:rPr lang="nb-NO" smtClean="0"/>
-              <a:t>07.06.2018</a:t>
+              <a:t>08.06.2018</a:t>
             </a:fld>
             <a:endParaRPr lang="nb-NO"/>
           </a:p>
@@ -1800,7 +1774,7 @@
           <a:p>
             <a:fld id="{47D8B440-35B7-4DC3-AEFD-2C305FA970CA}" type="datetimeFigureOut">
               <a:rPr lang="nb-NO" smtClean="0"/>
-              <a:t>07.06.2018</a:t>
+              <a:t>08.06.2018</a:t>
             </a:fld>
             <a:endParaRPr lang="nb-NO"/>
           </a:p>
@@ -2046,7 +2020,7 @@
           <a:p>
             <a:fld id="{47D8B440-35B7-4DC3-AEFD-2C305FA970CA}" type="datetimeFigureOut">
               <a:rPr lang="nb-NO" smtClean="0"/>
-              <a:t>07.06.2018</a:t>
+              <a:t>08.06.2018</a:t>
             </a:fld>
             <a:endParaRPr lang="nb-NO"/>
           </a:p>
@@ -2278,7 +2252,7 @@
           <a:p>
             <a:fld id="{47D8B440-35B7-4DC3-AEFD-2C305FA970CA}" type="datetimeFigureOut">
               <a:rPr lang="nb-NO" smtClean="0"/>
-              <a:t>07.06.2018</a:t>
+              <a:t>08.06.2018</a:t>
             </a:fld>
             <a:endParaRPr lang="nb-NO"/>
           </a:p>
@@ -2645,7 +2619,7 @@
           <a:p>
             <a:fld id="{47D8B440-35B7-4DC3-AEFD-2C305FA970CA}" type="datetimeFigureOut">
               <a:rPr lang="nb-NO" smtClean="0"/>
-              <a:t>07.06.2018</a:t>
+              <a:t>08.06.2018</a:t>
             </a:fld>
             <a:endParaRPr lang="nb-NO"/>
           </a:p>
@@ -2763,7 +2737,7 @@
           <a:p>
             <a:fld id="{47D8B440-35B7-4DC3-AEFD-2C305FA970CA}" type="datetimeFigureOut">
               <a:rPr lang="nb-NO" smtClean="0"/>
-              <a:t>07.06.2018</a:t>
+              <a:t>08.06.2018</a:t>
             </a:fld>
             <a:endParaRPr lang="nb-NO"/>
           </a:p>
@@ -2858,7 +2832,7 @@
           <a:p>
             <a:fld id="{47D8B440-35B7-4DC3-AEFD-2C305FA970CA}" type="datetimeFigureOut">
               <a:rPr lang="nb-NO" smtClean="0"/>
-              <a:t>07.06.2018</a:t>
+              <a:t>08.06.2018</a:t>
             </a:fld>
             <a:endParaRPr lang="nb-NO"/>
           </a:p>
@@ -3135,7 +3109,7 @@
           <a:p>
             <a:fld id="{47D8B440-35B7-4DC3-AEFD-2C305FA970CA}" type="datetimeFigureOut">
               <a:rPr lang="nb-NO" smtClean="0"/>
-              <a:t>07.06.2018</a:t>
+              <a:t>08.06.2018</a:t>
             </a:fld>
             <a:endParaRPr lang="nb-NO"/>
           </a:p>
@@ -3388,7 +3362,7 @@
           <a:p>
             <a:fld id="{47D8B440-35B7-4DC3-AEFD-2C305FA970CA}" type="datetimeFigureOut">
               <a:rPr lang="nb-NO" smtClean="0"/>
-              <a:t>07.06.2018</a:t>
+              <a:t>08.06.2018</a:t>
             </a:fld>
             <a:endParaRPr lang="nb-NO"/>
           </a:p>
@@ -3601,7 +3575,7 @@
           <a:p>
             <a:fld id="{47D8B440-35B7-4DC3-AEFD-2C305FA970CA}" type="datetimeFigureOut">
               <a:rPr lang="nb-NO" smtClean="0"/>
-              <a:t>07.06.2018</a:t>
+              <a:t>08.06.2018</a:t>
             </a:fld>
             <a:endParaRPr lang="nb-NO"/>
           </a:p>
@@ -4013,13 +3987,13 @@
           <p:nvPr>
             <p:extLst>
               <p:ext uri="{D42A27DB-BD31-4B8C-83A1-F6EECF244321}">
-                <p14:modId xmlns:p14="http://schemas.microsoft.com/office/powerpoint/2010/main" val="2053143028"/>
+                <p14:modId xmlns:p14="http://schemas.microsoft.com/office/powerpoint/2010/main" val="1073983585"/>
               </p:ext>
             </p:extLst>
           </p:nvPr>
         </p:nvGraphicFramePr>
         <p:xfrm>
-          <a:off x="2938456" y="387155"/>
+          <a:off x="2800556" y="979044"/>
           <a:ext cx="6791345" cy="4971040"/>
         </p:xfrm>
         <a:graphic>
@@ -4036,8 +4010,8 @@
         </p:nvSpPr>
         <p:spPr>
           <a:xfrm>
-            <a:off x="227008" y="993828"/>
-            <a:ext cx="3882187" cy="3416320"/>
+            <a:off x="660143" y="828758"/>
+            <a:ext cx="5243350" cy="2585323"/>
           </a:xfrm>
           <a:prstGeom prst="rect">
             <a:avLst/>
@@ -4050,57 +4024,102 @@
           </a:bodyPr>
           <a:lstStyle/>
           <a:p>
-            <a:pPr marL="285750" indent="-285750">
-              <a:buFont typeface="Arial" panose="020B0604020202020204" pitchFamily="34" charset="0"/>
-              <a:buChar char="•"/>
+            <a:pPr>
+              <a:lnSpc>
+                <a:spcPct val="150000"/>
+              </a:lnSpc>
             </a:pPr>
             <a:r>
               <a:rPr lang="en-US" dirty="0" smtClean="0"/>
-              <a:t>Write a clear What and How commit message. </a:t>
-            </a:r>
-          </a:p>
-          <a:p>
-            <a:pPr marL="285750" indent="-285750">
-              <a:buFont typeface="Arial" panose="020B0604020202020204" pitchFamily="34" charset="0"/>
-              <a:buChar char="•"/>
+              <a:t>Write a clear </a:t>
+            </a:r>
+            <a:r>
+              <a:rPr lang="en-US" dirty="0" smtClean="0"/>
+              <a:t>“What” </a:t>
+            </a:r>
+            <a:r>
+              <a:rPr lang="en-US" dirty="0" smtClean="0"/>
+              <a:t>and </a:t>
+            </a:r>
+            <a:r>
+              <a:rPr lang="en-US" dirty="0" smtClean="0"/>
+              <a:t>“How” </a:t>
+            </a:r>
+            <a:r>
+              <a:rPr lang="en-US" dirty="0" smtClean="0"/>
+              <a:t>commit message. </a:t>
+            </a:r>
+          </a:p>
+          <a:p>
+            <a:pPr>
+              <a:lnSpc>
+                <a:spcPct val="150000"/>
+              </a:lnSpc>
             </a:pPr>
             <a:r>
+              <a:rPr lang="en-US" dirty="0"/>
+              <a:t>Comment on changes to guide the reviewer.</a:t>
+            </a:r>
+          </a:p>
+          <a:p>
+            <a:pPr>
+              <a:lnSpc>
+                <a:spcPct val="150000"/>
+              </a:lnSpc>
+            </a:pPr>
+            <a:r>
+              <a:rPr lang="en-US" dirty="0"/>
+              <a:t>Name its type/state i.e. WIP, Fix, RFC.</a:t>
+            </a:r>
+          </a:p>
+          <a:p>
+            <a:pPr>
+              <a:lnSpc>
+                <a:spcPct val="150000"/>
+              </a:lnSpc>
+            </a:pPr>
+            <a:r>
+              <a:rPr lang="en-US" dirty="0"/>
+              <a:t>Give useful titles and descriptions</a:t>
+            </a:r>
+            <a:r>
               <a:rPr lang="en-US" dirty="0" smtClean="0"/>
-              <a:t>Provide the purpose of the PR and give useful titles and descriptions.</a:t>
-            </a:r>
-          </a:p>
-          <a:p>
-            <a:pPr marL="285750" indent="-285750">
-              <a:buFont typeface="Arial" panose="020B0604020202020204" pitchFamily="34" charset="0"/>
-              <a:buChar char="•"/>
+              <a:t>.</a:t>
+            </a:r>
+          </a:p>
+          <a:p>
+            <a:pPr>
+              <a:lnSpc>
+                <a:spcPct val="150000"/>
+              </a:lnSpc>
             </a:pPr>
             <a:r>
+              <a:rPr lang="en-US" dirty="0"/>
+              <a:t>Welcome feedback and be polite</a:t>
+            </a:r>
+            <a:r>
               <a:rPr lang="en-US" dirty="0" smtClean="0"/>
-              <a:t>Name its type or state i.e. Improvement, Fix, WIP - Work in progress, RFC - Request for comments.</a:t>
-            </a:r>
-          </a:p>
-          <a:p>
-            <a:pPr marL="285750" indent="-285750">
-              <a:buFont typeface="Arial" panose="020B0604020202020204" pitchFamily="34" charset="0"/>
-              <a:buChar char="•"/>
+              <a:t>.</a:t>
+            </a:r>
+          </a:p>
+          <a:p>
+            <a:pPr>
+              <a:lnSpc>
+                <a:spcPct val="150000"/>
+              </a:lnSpc>
             </a:pPr>
             <a:r>
               <a:rPr lang="en-US" dirty="0" smtClean="0"/>
-              <a:t>Comment on changes to guide the reviewer.</a:t>
-            </a:r>
-          </a:p>
-          <a:p>
-            <a:pPr marL="285750" indent="-285750">
-              <a:buFont typeface="Arial" panose="020B0604020202020204" pitchFamily="34" charset="0"/>
-              <a:buChar char="•"/>
-            </a:pPr>
+              <a:t>Provide </a:t>
+            </a:r>
             <a:r>
               <a:rPr lang="en-US" dirty="0" smtClean="0"/>
-              <a:t>Be polite.</a:t>
-            </a:r>
-          </a:p>
-          <a:p>
-            <a:endParaRPr lang="nb-NO" dirty="0"/>
+              <a:t>the purpose of the </a:t>
+            </a:r>
+            <a:r>
+              <a:rPr lang="en-US" dirty="0" smtClean="0"/>
+              <a:t>PR.</a:t>
+            </a:r>
           </a:p>
         </p:txBody>
       </p:sp>
@@ -4112,8 +4131,8 @@
         </p:nvSpPr>
         <p:spPr>
           <a:xfrm>
-            <a:off x="4323087" y="5237087"/>
-            <a:ext cx="4957011" cy="646331"/>
+            <a:off x="3347013" y="5379065"/>
+            <a:ext cx="4957011" cy="880369"/>
           </a:xfrm>
           <a:prstGeom prst="rect">
             <a:avLst/>
@@ -4126,9 +4145,10 @@
           </a:bodyPr>
           <a:lstStyle/>
           <a:p>
-            <a:pPr marL="285750" indent="-285750">
-              <a:buFont typeface="Arial" panose="020B0604020202020204" pitchFamily="34" charset="0"/>
-              <a:buChar char="•"/>
+            <a:pPr>
+              <a:lnSpc>
+                <a:spcPct val="150000"/>
+              </a:lnSpc>
             </a:pPr>
             <a:r>
               <a:rPr lang="en-US" dirty="0" smtClean="0"/>
@@ -4136,9 +4156,10 @@
             </a:r>
           </a:p>
           <a:p>
-            <a:pPr marL="285750" indent="-285750">
-              <a:buFont typeface="Arial" panose="020B0604020202020204" pitchFamily="34" charset="0"/>
-              <a:buChar char="•"/>
+            <a:pPr>
+              <a:lnSpc>
+                <a:spcPct val="150000"/>
+              </a:lnSpc>
             </a:pPr>
             <a:r>
               <a:rPr lang="en-US" dirty="0" smtClean="0"/>
@@ -4156,8 +4177,8 @@
         </p:nvSpPr>
         <p:spPr>
           <a:xfrm>
-            <a:off x="8280409" y="993828"/>
-            <a:ext cx="3911591" cy="923330"/>
+            <a:off x="8461000" y="1839411"/>
+            <a:ext cx="3411222" cy="1338828"/>
           </a:xfrm>
           <a:prstGeom prst="rect">
             <a:avLst/>
@@ -4170,9 +4191,10 @@
           </a:bodyPr>
           <a:lstStyle/>
           <a:p>
-            <a:pPr marL="285750" indent="-285750">
-              <a:buFont typeface="Arial" panose="020B0604020202020204" pitchFamily="34" charset="0"/>
-              <a:buChar char="•"/>
+            <a:pPr>
+              <a:lnSpc>
+                <a:spcPct val="150000"/>
+              </a:lnSpc>
             </a:pPr>
             <a:r>
               <a:rPr lang="en-US" dirty="0" smtClean="0"/>
@@ -4180,9 +4202,10 @@
             </a:r>
           </a:p>
           <a:p>
-            <a:pPr marL="285750" indent="-285750">
-              <a:buFont typeface="Arial" panose="020B0604020202020204" pitchFamily="34" charset="0"/>
-              <a:buChar char="•"/>
+            <a:pPr>
+              <a:lnSpc>
+                <a:spcPct val="150000"/>
+              </a:lnSpc>
             </a:pPr>
             <a:r>
               <a:rPr lang="en-US" dirty="0" smtClean="0"/>
@@ -4190,9 +4213,10 @@
             </a:r>
           </a:p>
           <a:p>
-            <a:pPr marL="285750" indent="-285750">
-              <a:buFont typeface="Arial" panose="020B0604020202020204" pitchFamily="34" charset="0"/>
-              <a:buChar char="•"/>
+            <a:pPr>
+              <a:lnSpc>
+                <a:spcPct val="150000"/>
+              </a:lnSpc>
             </a:pPr>
             <a:r>
               <a:rPr lang="en-US" dirty="0" smtClean="0"/>
@@ -4210,7 +4234,7 @@
         </p:nvSpPr>
         <p:spPr>
           <a:xfrm>
-            <a:off x="10664729" y="5575641"/>
+            <a:off x="10286550" y="5951657"/>
             <a:ext cx="1168578" cy="307777"/>
           </a:xfrm>
           <a:prstGeom prst="rect">

--- a/pull-request/pull-request.pptx
+++ b/pull-request/pull-request.pptx
@@ -115,7 +115,7 @@
 <file path=ppt/charts/chart1.xml><?xml version="1.0" encoding="utf-8"?>
 <c:chartSpace xmlns:c="http://schemas.openxmlformats.org/drawingml/2006/chart" xmlns:a="http://schemas.openxmlformats.org/drawingml/2006/main" xmlns:r="http://schemas.openxmlformats.org/officeDocument/2006/relationships" xmlns:c16r2="http://schemas.microsoft.com/office/drawing/2015/06/chart">
   <c:date1904 val="0"/>
-  <c:lang val="nb-NO"/>
+  <c:lang val="en-US"/>
   <c:roundedCorners val="0"/>
   <mc:AlternateContent xmlns:mc="http://schemas.openxmlformats.org/markup-compatibility/2006">
     <mc:Choice xmlns:c14="http://schemas.microsoft.com/office/drawing/2007/8/2/chart" Requires="c14">
@@ -147,9 +147,8 @@
           </c:tx>
           <c:spPr>
             <a:solidFill>
-              <a:schemeClr val="accent1">
-                <a:lumMod val="40000"/>
-                <a:lumOff val="60000"/>
+              <a:schemeClr val="bg1">
+                <a:lumMod val="85000"/>
               </a:schemeClr>
             </a:solidFill>
             <a:effectLst>
@@ -167,9 +166,8 @@
             <c:bubble3D val="0"/>
             <c:spPr>
               <a:solidFill>
-                <a:schemeClr val="accent1">
-                  <a:lumMod val="40000"/>
-                  <a:lumOff val="60000"/>
+                <a:schemeClr val="bg1">
+                  <a:lumMod val="85000"/>
                 </a:schemeClr>
               </a:solidFill>
               <a:ln w="19050">
@@ -197,9 +195,8 @@
             <c:bubble3D val="0"/>
             <c:spPr>
               <a:solidFill>
-                <a:schemeClr val="accent1">
-                  <a:lumMod val="40000"/>
-                  <a:lumOff val="60000"/>
+                <a:schemeClr val="bg1">
+                  <a:lumMod val="85000"/>
                 </a:schemeClr>
               </a:solidFill>
               <a:ln w="19050">
@@ -227,9 +224,8 @@
             <c:bubble3D val="0"/>
             <c:spPr>
               <a:solidFill>
-                <a:schemeClr val="accent1">
-                  <a:lumMod val="40000"/>
-                  <a:lumOff val="60000"/>
+                <a:schemeClr val="bg1">
+                  <a:lumMod val="85000"/>
                 </a:schemeClr>
               </a:solidFill>
               <a:ln w="19050">
@@ -275,7 +271,7 @@
                 <a:lstStyle/>
                 <a:p>
                   <a:pPr>
-                    <a:defRPr sz="2000" b="0" i="0" u="none" strike="noStrike" kern="1200" baseline="0">
+                    <a:defRPr sz="2000" b="1" i="0" u="none" strike="noStrike" kern="1200" baseline="0">
                       <a:solidFill>
                         <a:schemeClr val="tx1">
                           <a:lumMod val="75000"/>
@@ -287,7 +283,7 @@
                       <a:cs typeface="+mn-cs"/>
                     </a:defRPr>
                   </a:pPr>
-                  <a:endParaRPr lang="nb-NO"/>
+                  <a:endParaRPr lang="en-US"/>
                 </a:p>
               </c:txPr>
               <c:showLegendKey val="0"/>
@@ -332,7 +328,7 @@
                 <a:lstStyle/>
                 <a:p>
                   <a:pPr>
-                    <a:defRPr sz="2000" b="0" i="0" u="none" strike="noStrike" kern="1200" baseline="0">
+                    <a:defRPr sz="2000" b="1" i="0" u="none" strike="noStrike" kern="1200" baseline="0">
                       <a:solidFill>
                         <a:schemeClr val="tx1">
                           <a:lumMod val="75000"/>
@@ -344,7 +340,7 @@
                       <a:cs typeface="+mn-cs"/>
                     </a:defRPr>
                   </a:pPr>
-                  <a:endParaRPr lang="nb-NO"/>
+                  <a:endParaRPr lang="en-US"/>
                 </a:p>
               </c:txPr>
               <c:showLegendKey val="0"/>
@@ -383,7 +379,7 @@
                   <a:lstStyle/>
                   <a:p>
                     <a:pPr>
-                      <a:defRPr sz="2000" b="0" i="0" u="none" strike="noStrike" kern="1200" baseline="0">
+                      <a:defRPr sz="2000" b="1" i="0" u="none" strike="noStrike" kern="1200" baseline="0">
                         <a:solidFill>
                           <a:schemeClr val="tx1">
                             <a:lumMod val="75000"/>
@@ -396,13 +392,13 @@
                       </a:defRPr>
                     </a:pPr>
                     <a:fld id="{30148D0D-E3F6-4C71-98E8-4F408457B289}" type="CATEGORYNAME">
-                      <a:rPr lang="en-US" sz="2000" b="0" smtClean="0"/>
+                      <a:rPr lang="en-US" sz="2000" b="1" smtClean="0"/>
                       <a:pPr>
-                        <a:defRPr sz="2000"/>
+                        <a:defRPr sz="2000" b="1"/>
                       </a:pPr>
-                      <a:t>[KATEGORINAVN]</a:t>
+                      <a:t>[CATEGORY NAME]</a:t>
                     </a:fld>
-                    <a:endParaRPr lang="nb-NO"/>
+                    <a:endParaRPr lang="en-US"/>
                   </a:p>
                 </c:rich>
               </c:tx>
@@ -420,7 +416,7 @@
                 <a:lstStyle/>
                 <a:p>
                   <a:pPr>
-                    <a:defRPr sz="2000" b="0" i="0" u="none" strike="noStrike" kern="1200" baseline="0">
+                    <a:defRPr sz="2000" b="1" i="0" u="none" strike="noStrike" kern="1200" baseline="0">
                       <a:solidFill>
                         <a:schemeClr val="tx1">
                           <a:lumMod val="75000"/>
@@ -432,7 +428,7 @@
                       <a:cs typeface="+mn-cs"/>
                     </a:defRPr>
                   </a:pPr>
-                  <a:endParaRPr lang="nb-NO"/>
+                  <a:endParaRPr lang="en-US"/>
                 </a:p>
               </c:txPr>
               <c:showLegendKey val="0"/>
@@ -483,7 +479,7 @@
                     <a:cs typeface="+mn-cs"/>
                   </a:defRPr>
                 </a:pPr>
-                <a:endParaRPr lang="nb-NO"/>
+                <a:endParaRPr lang="en-US"/>
               </a:p>
             </c:txPr>
             <c:showLegendKey val="0"/>
@@ -589,7 +585,7 @@
       <a:pPr>
         <a:defRPr/>
       </a:pPr>
-      <a:endParaRPr lang="nb-NO"/>
+      <a:endParaRPr lang="en-US"/>
     </a:p>
   </c:txPr>
   <c:externalData r:id="rId3">
@@ -1254,7 +1250,7 @@
           <a:p>
             <a:fld id="{47D8B440-35B7-4DC3-AEFD-2C305FA970CA}" type="datetimeFigureOut">
               <a:rPr lang="nb-NO" smtClean="0"/>
-              <a:t>08.06.2018</a:t>
+              <a:t>09.06.2018</a:t>
             </a:fld>
             <a:endParaRPr lang="nb-NO"/>
           </a:p>
@@ -1424,7 +1420,7 @@
           <a:p>
             <a:fld id="{47D8B440-35B7-4DC3-AEFD-2C305FA970CA}" type="datetimeFigureOut">
               <a:rPr lang="nb-NO" smtClean="0"/>
-              <a:t>08.06.2018</a:t>
+              <a:t>09.06.2018</a:t>
             </a:fld>
             <a:endParaRPr lang="nb-NO"/>
           </a:p>
@@ -1604,7 +1600,7 @@
           <a:p>
             <a:fld id="{47D8B440-35B7-4DC3-AEFD-2C305FA970CA}" type="datetimeFigureOut">
               <a:rPr lang="nb-NO" smtClean="0"/>
-              <a:t>08.06.2018</a:t>
+              <a:t>09.06.2018</a:t>
             </a:fld>
             <a:endParaRPr lang="nb-NO"/>
           </a:p>
@@ -1774,7 +1770,7 @@
           <a:p>
             <a:fld id="{47D8B440-35B7-4DC3-AEFD-2C305FA970CA}" type="datetimeFigureOut">
               <a:rPr lang="nb-NO" smtClean="0"/>
-              <a:t>08.06.2018</a:t>
+              <a:t>09.06.2018</a:t>
             </a:fld>
             <a:endParaRPr lang="nb-NO"/>
           </a:p>
@@ -2020,7 +2016,7 @@
           <a:p>
             <a:fld id="{47D8B440-35B7-4DC3-AEFD-2C305FA970CA}" type="datetimeFigureOut">
               <a:rPr lang="nb-NO" smtClean="0"/>
-              <a:t>08.06.2018</a:t>
+              <a:t>09.06.2018</a:t>
             </a:fld>
             <a:endParaRPr lang="nb-NO"/>
           </a:p>
@@ -2252,7 +2248,7 @@
           <a:p>
             <a:fld id="{47D8B440-35B7-4DC3-AEFD-2C305FA970CA}" type="datetimeFigureOut">
               <a:rPr lang="nb-NO" smtClean="0"/>
-              <a:t>08.06.2018</a:t>
+              <a:t>09.06.2018</a:t>
             </a:fld>
             <a:endParaRPr lang="nb-NO"/>
           </a:p>
@@ -2619,7 +2615,7 @@
           <a:p>
             <a:fld id="{47D8B440-35B7-4DC3-AEFD-2C305FA970CA}" type="datetimeFigureOut">
               <a:rPr lang="nb-NO" smtClean="0"/>
-              <a:t>08.06.2018</a:t>
+              <a:t>09.06.2018</a:t>
             </a:fld>
             <a:endParaRPr lang="nb-NO"/>
           </a:p>
@@ -2737,7 +2733,7 @@
           <a:p>
             <a:fld id="{47D8B440-35B7-4DC3-AEFD-2C305FA970CA}" type="datetimeFigureOut">
               <a:rPr lang="nb-NO" smtClean="0"/>
-              <a:t>08.06.2018</a:t>
+              <a:t>09.06.2018</a:t>
             </a:fld>
             <a:endParaRPr lang="nb-NO"/>
           </a:p>
@@ -2832,7 +2828,7 @@
           <a:p>
             <a:fld id="{47D8B440-35B7-4DC3-AEFD-2C305FA970CA}" type="datetimeFigureOut">
               <a:rPr lang="nb-NO" smtClean="0"/>
-              <a:t>08.06.2018</a:t>
+              <a:t>09.06.2018</a:t>
             </a:fld>
             <a:endParaRPr lang="nb-NO"/>
           </a:p>
@@ -3109,7 +3105,7 @@
           <a:p>
             <a:fld id="{47D8B440-35B7-4DC3-AEFD-2C305FA970CA}" type="datetimeFigureOut">
               <a:rPr lang="nb-NO" smtClean="0"/>
-              <a:t>08.06.2018</a:t>
+              <a:t>09.06.2018</a:t>
             </a:fld>
             <a:endParaRPr lang="nb-NO"/>
           </a:p>
@@ -3362,7 +3358,7 @@
           <a:p>
             <a:fld id="{47D8B440-35B7-4DC3-AEFD-2C305FA970CA}" type="datetimeFigureOut">
               <a:rPr lang="nb-NO" smtClean="0"/>
-              <a:t>08.06.2018</a:t>
+              <a:t>09.06.2018</a:t>
             </a:fld>
             <a:endParaRPr lang="nb-NO"/>
           </a:p>
@@ -3575,7 +3571,7 @@
           <a:p>
             <a:fld id="{47D8B440-35B7-4DC3-AEFD-2C305FA970CA}" type="datetimeFigureOut">
               <a:rPr lang="nb-NO" smtClean="0"/>
-              <a:t>08.06.2018</a:t>
+              <a:t>09.06.2018</a:t>
             </a:fld>
             <a:endParaRPr lang="nb-NO"/>
           </a:p>
@@ -3987,7 +3983,7 @@
           <p:nvPr>
             <p:extLst>
               <p:ext uri="{D42A27DB-BD31-4B8C-83A1-F6EECF244321}">
-                <p14:modId xmlns:p14="http://schemas.microsoft.com/office/powerpoint/2010/main" val="1073983585"/>
+                <p14:modId xmlns:p14="http://schemas.microsoft.com/office/powerpoint/2010/main" val="2162996152"/>
               </p:ext>
             </p:extLst>
           </p:nvPr>
@@ -4031,23 +4027,7 @@
             </a:pPr>
             <a:r>
               <a:rPr lang="en-US" dirty="0" smtClean="0"/>
-              <a:t>Write a clear </a:t>
-            </a:r>
-            <a:r>
-              <a:rPr lang="en-US" dirty="0" smtClean="0"/>
-              <a:t>“What” </a:t>
-            </a:r>
-            <a:r>
-              <a:rPr lang="en-US" dirty="0" smtClean="0"/>
-              <a:t>and </a:t>
-            </a:r>
-            <a:r>
-              <a:rPr lang="en-US" dirty="0" smtClean="0"/>
-              <a:t>“How” </a:t>
-            </a:r>
-            <a:r>
-              <a:rPr lang="en-US" dirty="0" smtClean="0"/>
-              <a:t>commit message. </a:t>
+              <a:t>Write a clear “What” and “How” commit message. </a:t>
             </a:r>
           </a:p>
           <a:p>
@@ -4110,15 +4090,7 @@
             </a:pPr>
             <a:r>
               <a:rPr lang="en-US" dirty="0" smtClean="0"/>
-              <a:t>Provide </a:t>
-            </a:r>
-            <a:r>
-              <a:rPr lang="en-US" dirty="0" smtClean="0"/>
-              <a:t>the purpose of the </a:t>
-            </a:r>
-            <a:r>
-              <a:rPr lang="en-US" dirty="0" smtClean="0"/>
-              <a:t>PR.</a:t>
+              <a:t>Provide the purpose of the PR.</a:t>
             </a:r>
           </a:p>
         </p:txBody>
@@ -4278,6 +4250,13 @@
   <p:clrMapOvr>
     <a:masterClrMapping/>
   </p:clrMapOvr>
+  <p:timing>
+    <p:tnLst>
+      <p:par>
+        <p:cTn id="1" dur="indefinite" restart="never" nodeType="tmRoot"/>
+      </p:par>
+    </p:tnLst>
+  </p:timing>
 </p:sld>
 </file>
 
